--- a/Resources/PresentationMaterials/Tom the IEP Assistant.pptx
+++ b/Resources/PresentationMaterials/Tom the IEP Assistant.pptx
@@ -9163,7 +9163,7 @@
             </a:r>
             <a:r>
               <a:rPr lang="en"/>
-              <a:t> Education Plan(IEP) is a map of the special services a student needs to succeed with their disability.</a:t>
+              <a:t> Education Plan (IEP) is a map of the special services a student needs to succeed with their disability.</a:t>
             </a:r>
             <a:endParaRPr/>
           </a:p>
@@ -9195,7 +9195,7 @@
             </a:pPr>
             <a:r>
               <a:rPr lang="en"/>
-              <a:t>So long as schools were still open during the COVID-19 pandemic(including remote learning) they are required to still serve students with IEPs. However, many schools struggled to properly do this.</a:t>
+              <a:t>So long as schools were still open during the COVID-19 pandemic (including remote learning) they are required to still serve students with IEPs. However, many schools struggled to properly do this.</a:t>
             </a:r>
             <a:endParaRPr/>
           </a:p>
@@ -9401,7 +9401,7 @@
             </a:pPr>
             <a:r>
               <a:rPr lang="en"/>
-              <a:t>Fun Fact: Tom is named after former Iowa Senator Tom Harkin who introduced Individuals with Disabilities Education Act</a:t>
+              <a:t>Fun Fact: Tom is named after former Iowa Senator Tom Harkin who introduced the Individuals with Disabilities Education Act.</a:t>
             </a:r>
             <a:endParaRPr/>
           </a:p>
@@ -9546,7 +9546,7 @@
             </a:pPr>
             <a:r>
               <a:rPr lang="en"/>
-              <a:t>Tom was inspired by my mother’s(a special needs educators) increased frustration and concern for her students when schools were not properly following their IEPs at the start of the COVID-19 pandemic leaving students with disabilities left behind. In addition, Tom supports setting up an IEP as my mother also explained the challenges many families go through with setting up an IEP for their child.</a:t>
+              <a:t>Tom was inspired by my mother’s (a special needs educators) increased frustration and concern for her students when schools were not properly following their IEPs at the start of the COVID-19 pandemic leaving students with disabilities left behind. In addition, Tom supports setting up an IEP as my mother also explained the challenges many families go through with setting up an IEP for their child.</a:t>
             </a:r>
             <a:endParaRPr/>
           </a:p>
@@ -9778,7 +9778,7 @@
             </a:pPr>
             <a:r>
               <a:rPr lang="en"/>
-              <a:t>Tom utilizes Language Understanding(LUIS) for understanding the user and responding to them correctly.</a:t>
+              <a:t>Tom utilizes Language Understanding (LUIS) for understanding the user and responding to them correctly.</a:t>
             </a:r>
             <a:endParaRPr/>
           </a:p>
@@ -10119,7 +10119,7 @@
             </a:pPr>
             <a:r>
               <a:rPr lang="en"/>
-              <a:t>Following an iterative approach(in order to incorporate feedback from my mother’s clients) with a limited timeline</a:t>
+              <a:t>Following an iterative approach (in order to incorporate feedback from my mother’s clients) with a limited timeline.</a:t>
             </a:r>
             <a:endParaRPr/>
           </a:p>
@@ -10264,7 +10264,7 @@
             </a:pPr>
             <a:r>
               <a:rPr lang="en"/>
-              <a:t>Add chat bot features for correcting things such as somebody’s name or email(this was not added solely based on time constraints).</a:t>
+              <a:t>Add chat bot features for correcting things such as somebody’s name or email (this was not added solely based on time constraints).</a:t>
             </a:r>
             <a:endParaRPr/>
           </a:p>
@@ -10376,6 +10376,285 @@
 </file>
 
 <file path=ppt/theme/theme1.xml><?xml version="1.0" encoding="utf-8"?>
+<a:theme xmlns:a="http://schemas.openxmlformats.org/drawingml/2006/main" xmlns:r="http://schemas.openxmlformats.org/officeDocument/2006/relationships" name="Geometric">
+  <a:themeElements>
+    <a:clrScheme name="Geometric">
+      <a:dk1>
+        <a:srgbClr val="2A3990"/>
+      </a:dk1>
+      <a:lt1>
+        <a:srgbClr val="FFFFFF"/>
+      </a:lt1>
+      <a:dk2>
+        <a:srgbClr val="434343"/>
+      </a:dk2>
+      <a:lt2>
+        <a:srgbClr val="999999"/>
+      </a:lt2>
+      <a:accent1>
+        <a:srgbClr val="212D74"/>
+      </a:accent1>
+      <a:accent2>
+        <a:srgbClr val="3949AB"/>
+      </a:accent2>
+      <a:accent3>
+        <a:srgbClr val="9C254D"/>
+      </a:accent3>
+      <a:accent4>
+        <a:srgbClr val="D23369"/>
+      </a:accent4>
+      <a:accent5>
+        <a:srgbClr val="F06292"/>
+      </a:accent5>
+      <a:accent6>
+        <a:srgbClr val="7890CD"/>
+      </a:accent6>
+      <a:hlink>
+        <a:srgbClr val="F06292"/>
+      </a:hlink>
+      <a:folHlink>
+        <a:srgbClr val="F06292"/>
+      </a:folHlink>
+    </a:clrScheme>
+    <a:fontScheme name="Office">
+      <a:majorFont>
+        <a:latin typeface="Arial"/>
+        <a:ea typeface=""/>
+        <a:cs typeface=""/>
+        <a:font script="Jpan" typeface="ＭＳ Ｐゴシック"/>
+        <a:font script="Hang" typeface="맑은 고딕"/>
+        <a:font script="Hans" typeface="宋体"/>
+        <a:font script="Hant" typeface="新細明體"/>
+        <a:font script="Arab" typeface="Times New Roman"/>
+        <a:font script="Hebr" typeface="Times New Roman"/>
+        <a:font script="Thai" typeface="Angsana New"/>
+        <a:font script="Ethi" typeface="Nyala"/>
+        <a:font script="Beng" typeface="Vrinda"/>
+        <a:font script="Gujr" typeface="Shruti"/>
+        <a:font script="Khmr" typeface="MoolBoran"/>
+        <a:font script="Knda" typeface="Tunga"/>
+        <a:font script="Guru" typeface="Raavi"/>
+        <a:font script="Cans" typeface="Euphemia"/>
+        <a:font script="Cher" typeface="Plantagenet Cherokee"/>
+        <a:font script="Yiii" typeface="Microsoft Yi Baiti"/>
+        <a:font script="Tibt" typeface="Microsoft Himalaya"/>
+        <a:font script="Thaa" typeface="MV Boli"/>
+        <a:font script="Deva" typeface="Mangal"/>
+        <a:font script="Telu" typeface="Gautami"/>
+        <a:font script="Taml" typeface="Latha"/>
+        <a:font script="Syrc" typeface="Estrangelo Edessa"/>
+        <a:font script="Orya" typeface="Kalinga"/>
+        <a:font script="Mlym" typeface="Kartika"/>
+        <a:font script="Laoo" typeface="DokChampa"/>
+        <a:font script="Sinh" typeface="Iskoola Pota"/>
+        <a:font script="Mong" typeface="Mongolian Baiti"/>
+        <a:font script="Viet" typeface="Times New Roman"/>
+        <a:font script="Uigh" typeface="Microsoft Uighur"/>
+        <a:font script="Geor" typeface="Sylfaen"/>
+      </a:majorFont>
+      <a:minorFont>
+        <a:latin typeface="Arial"/>
+        <a:ea typeface=""/>
+        <a:cs typeface=""/>
+        <a:font script="Jpan" typeface="ＭＳ Ｐゴシック"/>
+        <a:font script="Hang" typeface="맑은 고딕"/>
+        <a:font script="Hans" typeface="宋体"/>
+        <a:font script="Hant" typeface="新細明體"/>
+        <a:font script="Arab" typeface="Arial"/>
+        <a:font script="Hebr" typeface="Arial"/>
+        <a:font script="Thai" typeface="Cordia New"/>
+        <a:font script="Ethi" typeface="Nyala"/>
+        <a:font script="Beng" typeface="Vrinda"/>
+        <a:font script="Gujr" typeface="Shruti"/>
+        <a:font script="Khmr" typeface="DaunPenh"/>
+        <a:font script="Knda" typeface="Tunga"/>
+        <a:font script="Guru" typeface="Raavi"/>
+        <a:font script="Cans" typeface="Euphemia"/>
+        <a:font script="Cher" typeface="Plantagenet Cherokee"/>
+        <a:font script="Yiii" typeface="Microsoft Yi Baiti"/>
+        <a:font script="Tibt" typeface="Microsoft Himalaya"/>
+        <a:font script="Thaa" typeface="MV Boli"/>
+        <a:font script="Deva" typeface="Mangal"/>
+        <a:font script="Telu" typeface="Gautami"/>
+        <a:font script="Taml" typeface="Latha"/>
+        <a:font script="Syrc" typeface="Estrangelo Edessa"/>
+        <a:font script="Orya" typeface="Kalinga"/>
+        <a:font script="Mlym" typeface="Kartika"/>
+        <a:font script="Laoo" typeface="DokChampa"/>
+        <a:font script="Sinh" typeface="Iskoola Pota"/>
+        <a:font script="Mong" typeface="Mongolian Baiti"/>
+        <a:font script="Viet" typeface="Arial"/>
+        <a:font script="Uigh" typeface="Microsoft Uighur"/>
+        <a:font script="Geor" typeface="Sylfaen"/>
+      </a:minorFont>
+    </a:fontScheme>
+    <a:fmtScheme name="Office">
+      <a:fillStyleLst>
+        <a:solidFill>
+          <a:schemeClr val="phClr"/>
+        </a:solidFill>
+        <a:gradFill rotWithShape="1">
+          <a:gsLst>
+            <a:gs pos="0">
+              <a:schemeClr val="phClr">
+                <a:tint val="50000"/>
+                <a:satMod val="300000"/>
+              </a:schemeClr>
+            </a:gs>
+            <a:gs pos="35000">
+              <a:schemeClr val="phClr">
+                <a:tint val="37000"/>
+                <a:satMod val="300000"/>
+              </a:schemeClr>
+            </a:gs>
+            <a:gs pos="100000">
+              <a:schemeClr val="phClr">
+                <a:tint val="15000"/>
+                <a:satMod val="350000"/>
+              </a:schemeClr>
+            </a:gs>
+          </a:gsLst>
+          <a:lin ang="16200000" scaled="1"/>
+        </a:gradFill>
+        <a:gradFill rotWithShape="1">
+          <a:gsLst>
+            <a:gs pos="0">
+              <a:schemeClr val="phClr">
+                <a:tint val="100000"/>
+                <a:shade val="100000"/>
+                <a:satMod val="130000"/>
+              </a:schemeClr>
+            </a:gs>
+            <a:gs pos="100000">
+              <a:schemeClr val="phClr">
+                <a:tint val="50000"/>
+                <a:shade val="100000"/>
+                <a:satMod val="350000"/>
+              </a:schemeClr>
+            </a:gs>
+          </a:gsLst>
+          <a:lin ang="16200000" scaled="0"/>
+        </a:gradFill>
+      </a:fillStyleLst>
+      <a:lnStyleLst>
+        <a:ln w="9525" cap="flat" cmpd="sng" algn="ctr">
+          <a:solidFill>
+            <a:schemeClr val="phClr">
+              <a:shade val="95000"/>
+              <a:satMod val="105000"/>
+            </a:schemeClr>
+          </a:solidFill>
+          <a:prstDash val="solid"/>
+        </a:ln>
+        <a:ln w="25400" cap="flat" cmpd="sng" algn="ctr">
+          <a:solidFill>
+            <a:schemeClr val="phClr"/>
+          </a:solidFill>
+          <a:prstDash val="solid"/>
+        </a:ln>
+        <a:ln w="38100" cap="flat" cmpd="sng" algn="ctr">
+          <a:solidFill>
+            <a:schemeClr val="phClr"/>
+          </a:solidFill>
+          <a:prstDash val="solid"/>
+        </a:ln>
+      </a:lnStyleLst>
+      <a:effectStyleLst>
+        <a:effectStyle>
+          <a:effectLst>
+            <a:outerShdw blurRad="40000" dist="20000" dir="5400000" rotWithShape="0">
+              <a:srgbClr val="000000">
+                <a:alpha val="38000"/>
+              </a:srgbClr>
+            </a:outerShdw>
+          </a:effectLst>
+        </a:effectStyle>
+        <a:effectStyle>
+          <a:effectLst>
+            <a:outerShdw blurRad="40000" dist="23000" dir="5400000" rotWithShape="0">
+              <a:srgbClr val="000000">
+                <a:alpha val="35000"/>
+              </a:srgbClr>
+            </a:outerShdw>
+          </a:effectLst>
+        </a:effectStyle>
+        <a:effectStyle>
+          <a:effectLst>
+            <a:outerShdw blurRad="40000" dist="23000" dir="5400000" rotWithShape="0">
+              <a:srgbClr val="000000">
+                <a:alpha val="35000"/>
+              </a:srgbClr>
+            </a:outerShdw>
+          </a:effectLst>
+          <a:scene3d>
+            <a:camera prst="orthographicFront">
+              <a:rot lat="0" lon="0" rev="0"/>
+            </a:camera>
+            <a:lightRig rig="threePt" dir="t">
+              <a:rot lat="0" lon="0" rev="1200000"/>
+            </a:lightRig>
+          </a:scene3d>
+          <a:sp3d>
+            <a:bevelT w="63500" h="25400"/>
+          </a:sp3d>
+        </a:effectStyle>
+      </a:effectStyleLst>
+      <a:bgFillStyleLst>
+        <a:solidFill>
+          <a:schemeClr val="phClr"/>
+        </a:solidFill>
+        <a:gradFill rotWithShape="1">
+          <a:gsLst>
+            <a:gs pos="0">
+              <a:schemeClr val="phClr">
+                <a:tint val="40000"/>
+                <a:satMod val="350000"/>
+              </a:schemeClr>
+            </a:gs>
+            <a:gs pos="40000">
+              <a:schemeClr val="phClr">
+                <a:tint val="45000"/>
+                <a:shade val="99000"/>
+                <a:satMod val="350000"/>
+              </a:schemeClr>
+            </a:gs>
+            <a:gs pos="100000">
+              <a:schemeClr val="phClr">
+                <a:shade val="20000"/>
+                <a:satMod val="255000"/>
+              </a:schemeClr>
+            </a:gs>
+          </a:gsLst>
+          <a:path path="circle">
+            <a:fillToRect l="50000" t="-80000" r="50000" b="180000"/>
+          </a:path>
+        </a:gradFill>
+        <a:gradFill rotWithShape="1">
+          <a:gsLst>
+            <a:gs pos="0">
+              <a:schemeClr val="phClr">
+                <a:tint val="80000"/>
+                <a:satMod val="300000"/>
+              </a:schemeClr>
+            </a:gs>
+            <a:gs pos="100000">
+              <a:schemeClr val="phClr">
+                <a:shade val="30000"/>
+                <a:satMod val="200000"/>
+              </a:schemeClr>
+            </a:gs>
+          </a:gsLst>
+          <a:path path="circle">
+            <a:fillToRect l="50000" t="50000" r="50000" b="50000"/>
+          </a:path>
+        </a:gradFill>
+      </a:bgFillStyleLst>
+    </a:fmtScheme>
+  </a:themeElements>
+</a:theme>
+</file>
+
+<file path=ppt/theme/theme2.xml><?xml version="1.0" encoding="utf-8"?>
 <a:theme xmlns:a="http://schemas.openxmlformats.org/drawingml/2006/main" xmlns:r="http://schemas.openxmlformats.org/officeDocument/2006/relationships">
   <a:themeElements>
     <a:clrScheme name="Default">
@@ -10652,283 +10931,4 @@
     </a:fmtScheme>
   </a:themeElements>
 </a:theme>
-</file>
-
-<file path=ppt/theme/theme2.xml><?xml version="1.0" encoding="utf-8"?>
-<a:theme xmlns:a="http://schemas.openxmlformats.org/drawingml/2006/main" xmlns:r="http://schemas.openxmlformats.org/officeDocument/2006/relationships" name="Geometric">
-  <a:themeElements>
-    <a:clrScheme name="Geometric">
-      <a:dk1>
-        <a:srgbClr val="2A3990"/>
-      </a:dk1>
-      <a:lt1>
-        <a:srgbClr val="FFFFFF"/>
-      </a:lt1>
-      <a:dk2>
-        <a:srgbClr val="434343"/>
-      </a:dk2>
-      <a:lt2>
-        <a:srgbClr val="999999"/>
-      </a:lt2>
-      <a:accent1>
-        <a:srgbClr val="212D74"/>
-      </a:accent1>
-      <a:accent2>
-        <a:srgbClr val="3949AB"/>
-      </a:accent2>
-      <a:accent3>
-        <a:srgbClr val="9C254D"/>
-      </a:accent3>
-      <a:accent4>
-        <a:srgbClr val="D23369"/>
-      </a:accent4>
-      <a:accent5>
-        <a:srgbClr val="F06292"/>
-      </a:accent5>
-      <a:accent6>
-        <a:srgbClr val="7890CD"/>
-      </a:accent6>
-      <a:hlink>
-        <a:srgbClr val="F06292"/>
-      </a:hlink>
-      <a:folHlink>
-        <a:srgbClr val="F06292"/>
-      </a:folHlink>
-    </a:clrScheme>
-    <a:fontScheme name="Office">
-      <a:majorFont>
-        <a:latin typeface="Arial"/>
-        <a:ea typeface=""/>
-        <a:cs typeface=""/>
-        <a:font script="Jpan" typeface="ＭＳ Ｐゴシック"/>
-        <a:font script="Hang" typeface="맑은 고딕"/>
-        <a:font script="Hans" typeface="宋体"/>
-        <a:font script="Hant" typeface="新細明體"/>
-        <a:font script="Arab" typeface="Times New Roman"/>
-        <a:font script="Hebr" typeface="Times New Roman"/>
-        <a:font script="Thai" typeface="Angsana New"/>
-        <a:font script="Ethi" typeface="Nyala"/>
-        <a:font script="Beng" typeface="Vrinda"/>
-        <a:font script="Gujr" typeface="Shruti"/>
-        <a:font script="Khmr" typeface="MoolBoran"/>
-        <a:font script="Knda" typeface="Tunga"/>
-        <a:font script="Guru" typeface="Raavi"/>
-        <a:font script="Cans" typeface="Euphemia"/>
-        <a:font script="Cher" typeface="Plantagenet Cherokee"/>
-        <a:font script="Yiii" typeface="Microsoft Yi Baiti"/>
-        <a:font script="Tibt" typeface="Microsoft Himalaya"/>
-        <a:font script="Thaa" typeface="MV Boli"/>
-        <a:font script="Deva" typeface="Mangal"/>
-        <a:font script="Telu" typeface="Gautami"/>
-        <a:font script="Taml" typeface="Latha"/>
-        <a:font script="Syrc" typeface="Estrangelo Edessa"/>
-        <a:font script="Orya" typeface="Kalinga"/>
-        <a:font script="Mlym" typeface="Kartika"/>
-        <a:font script="Laoo" typeface="DokChampa"/>
-        <a:font script="Sinh" typeface="Iskoola Pota"/>
-        <a:font script="Mong" typeface="Mongolian Baiti"/>
-        <a:font script="Viet" typeface="Times New Roman"/>
-        <a:font script="Uigh" typeface="Microsoft Uighur"/>
-        <a:font script="Geor" typeface="Sylfaen"/>
-      </a:majorFont>
-      <a:minorFont>
-        <a:latin typeface="Arial"/>
-        <a:ea typeface=""/>
-        <a:cs typeface=""/>
-        <a:font script="Jpan" typeface="ＭＳ Ｐゴシック"/>
-        <a:font script="Hang" typeface="맑은 고딕"/>
-        <a:font script="Hans" typeface="宋体"/>
-        <a:font script="Hant" typeface="新細明體"/>
-        <a:font script="Arab" typeface="Arial"/>
-        <a:font script="Hebr" typeface="Arial"/>
-        <a:font script="Thai" typeface="Cordia New"/>
-        <a:font script="Ethi" typeface="Nyala"/>
-        <a:font script="Beng" typeface="Vrinda"/>
-        <a:font script="Gujr" typeface="Shruti"/>
-        <a:font script="Khmr" typeface="DaunPenh"/>
-        <a:font script="Knda" typeface="Tunga"/>
-        <a:font script="Guru" typeface="Raavi"/>
-        <a:font script="Cans" typeface="Euphemia"/>
-        <a:font script="Cher" typeface="Plantagenet Cherokee"/>
-        <a:font script="Yiii" typeface="Microsoft Yi Baiti"/>
-        <a:font script="Tibt" typeface="Microsoft Himalaya"/>
-        <a:font script="Thaa" typeface="MV Boli"/>
-        <a:font script="Deva" typeface="Mangal"/>
-        <a:font script="Telu" typeface="Gautami"/>
-        <a:font script="Taml" typeface="Latha"/>
-        <a:font script="Syrc" typeface="Estrangelo Edessa"/>
-        <a:font script="Orya" typeface="Kalinga"/>
-        <a:font script="Mlym" typeface="Kartika"/>
-        <a:font script="Laoo" typeface="DokChampa"/>
-        <a:font script="Sinh" typeface="Iskoola Pota"/>
-        <a:font script="Mong" typeface="Mongolian Baiti"/>
-        <a:font script="Viet" typeface="Arial"/>
-        <a:font script="Uigh" typeface="Microsoft Uighur"/>
-        <a:font script="Geor" typeface="Sylfaen"/>
-      </a:minorFont>
-    </a:fontScheme>
-    <a:fmtScheme name="Office">
-      <a:fillStyleLst>
-        <a:solidFill>
-          <a:schemeClr val="phClr"/>
-        </a:solidFill>
-        <a:gradFill rotWithShape="1">
-          <a:gsLst>
-            <a:gs pos="0">
-              <a:schemeClr val="phClr">
-                <a:tint val="50000"/>
-                <a:satMod val="300000"/>
-              </a:schemeClr>
-            </a:gs>
-            <a:gs pos="35000">
-              <a:schemeClr val="phClr">
-                <a:tint val="37000"/>
-                <a:satMod val="300000"/>
-              </a:schemeClr>
-            </a:gs>
-            <a:gs pos="100000">
-              <a:schemeClr val="phClr">
-                <a:tint val="15000"/>
-                <a:satMod val="350000"/>
-              </a:schemeClr>
-            </a:gs>
-          </a:gsLst>
-          <a:lin ang="16200000" scaled="1"/>
-        </a:gradFill>
-        <a:gradFill rotWithShape="1">
-          <a:gsLst>
-            <a:gs pos="0">
-              <a:schemeClr val="phClr">
-                <a:tint val="100000"/>
-                <a:shade val="100000"/>
-                <a:satMod val="130000"/>
-              </a:schemeClr>
-            </a:gs>
-            <a:gs pos="100000">
-              <a:schemeClr val="phClr">
-                <a:tint val="50000"/>
-                <a:shade val="100000"/>
-                <a:satMod val="350000"/>
-              </a:schemeClr>
-            </a:gs>
-          </a:gsLst>
-          <a:lin ang="16200000" scaled="0"/>
-        </a:gradFill>
-      </a:fillStyleLst>
-      <a:lnStyleLst>
-        <a:ln w="9525" cap="flat" cmpd="sng" algn="ctr">
-          <a:solidFill>
-            <a:schemeClr val="phClr">
-              <a:shade val="95000"/>
-              <a:satMod val="105000"/>
-            </a:schemeClr>
-          </a:solidFill>
-          <a:prstDash val="solid"/>
-        </a:ln>
-        <a:ln w="25400" cap="flat" cmpd="sng" algn="ctr">
-          <a:solidFill>
-            <a:schemeClr val="phClr"/>
-          </a:solidFill>
-          <a:prstDash val="solid"/>
-        </a:ln>
-        <a:ln w="38100" cap="flat" cmpd="sng" algn="ctr">
-          <a:solidFill>
-            <a:schemeClr val="phClr"/>
-          </a:solidFill>
-          <a:prstDash val="solid"/>
-        </a:ln>
-      </a:lnStyleLst>
-      <a:effectStyleLst>
-        <a:effectStyle>
-          <a:effectLst>
-            <a:outerShdw blurRad="40000" dist="20000" dir="5400000" rotWithShape="0">
-              <a:srgbClr val="000000">
-                <a:alpha val="38000"/>
-              </a:srgbClr>
-            </a:outerShdw>
-          </a:effectLst>
-        </a:effectStyle>
-        <a:effectStyle>
-          <a:effectLst>
-            <a:outerShdw blurRad="40000" dist="23000" dir="5400000" rotWithShape="0">
-              <a:srgbClr val="000000">
-                <a:alpha val="35000"/>
-              </a:srgbClr>
-            </a:outerShdw>
-          </a:effectLst>
-        </a:effectStyle>
-        <a:effectStyle>
-          <a:effectLst>
-            <a:outerShdw blurRad="40000" dist="23000" dir="5400000" rotWithShape="0">
-              <a:srgbClr val="000000">
-                <a:alpha val="35000"/>
-              </a:srgbClr>
-            </a:outerShdw>
-          </a:effectLst>
-          <a:scene3d>
-            <a:camera prst="orthographicFront">
-              <a:rot lat="0" lon="0" rev="0"/>
-            </a:camera>
-            <a:lightRig rig="threePt" dir="t">
-              <a:rot lat="0" lon="0" rev="1200000"/>
-            </a:lightRig>
-          </a:scene3d>
-          <a:sp3d>
-            <a:bevelT w="63500" h="25400"/>
-          </a:sp3d>
-        </a:effectStyle>
-      </a:effectStyleLst>
-      <a:bgFillStyleLst>
-        <a:solidFill>
-          <a:schemeClr val="phClr"/>
-        </a:solidFill>
-        <a:gradFill rotWithShape="1">
-          <a:gsLst>
-            <a:gs pos="0">
-              <a:schemeClr val="phClr">
-                <a:tint val="40000"/>
-                <a:satMod val="350000"/>
-              </a:schemeClr>
-            </a:gs>
-            <a:gs pos="40000">
-              <a:schemeClr val="phClr">
-                <a:tint val="45000"/>
-                <a:shade val="99000"/>
-                <a:satMod val="350000"/>
-              </a:schemeClr>
-            </a:gs>
-            <a:gs pos="100000">
-              <a:schemeClr val="phClr">
-                <a:shade val="20000"/>
-                <a:satMod val="255000"/>
-              </a:schemeClr>
-            </a:gs>
-          </a:gsLst>
-          <a:path path="circle">
-            <a:fillToRect l="50000" t="-80000" r="50000" b="180000"/>
-          </a:path>
-        </a:gradFill>
-        <a:gradFill rotWithShape="1">
-          <a:gsLst>
-            <a:gs pos="0">
-              <a:schemeClr val="phClr">
-                <a:tint val="80000"/>
-                <a:satMod val="300000"/>
-              </a:schemeClr>
-            </a:gs>
-            <a:gs pos="100000">
-              <a:schemeClr val="phClr">
-                <a:shade val="30000"/>
-                <a:satMod val="200000"/>
-              </a:schemeClr>
-            </a:gs>
-          </a:gsLst>
-          <a:path path="circle">
-            <a:fillToRect l="50000" t="50000" r="50000" b="50000"/>
-          </a:path>
-        </a:gradFill>
-      </a:bgFillStyleLst>
-    </a:fmtScheme>
-  </a:themeElements>
-</a:theme>
 </file>
--- a/Resources/PresentationMaterials/Tom the IEP Assistant.pptx
+++ b/Resources/PresentationMaterials/Tom the IEP Assistant.pptx
@@ -8561,7 +8561,7 @@
             </a:pPr>
             <a:r>
               <a:rPr lang="en"/>
-              <a:t>Braccia, Thomas, and Hayley’s Family “Special Needs Education and IEPs During Covid-19.” 28 Feb. 2021. </a:t>
+              <a:t>Braccia, Thomas, and Chapman Family “Special Needs Education and IEPs During Covid-19.” 28 Feb. 2021. </a:t>
             </a:r>
             <a:endParaRPr/>
           </a:p>
@@ -8900,7 +8900,7 @@
         </p:spPr>
         <p:txBody>
           <a:bodyPr anchorCtr="0" anchor="t" bIns="91425" lIns="91425" spcFirstLastPara="1" rIns="91425" wrap="square" tIns="91425">
-            <a:normAutofit fontScale="92500" lnSpcReduction="20000"/>
+            <a:normAutofit fontScale="92500" lnSpcReduction="10000"/>
           </a:bodyPr>
           <a:lstStyle/>
           <a:p>
@@ -8959,43 +8959,7 @@
             </a:r>
             <a:r>
               <a:rPr lang="en"/>
-              <a:t>students with disabilities by ensuring they have an equal right to an education especially now that the Education System is in a period of large changes due to </a:t>
-            </a:r>
-            <a:r>
-              <a:rPr lang="en"/>
-              <a:t>the</a:t>
-            </a:r>
-            <a:r>
-              <a:rPr lang="en"/>
-              <a:t> Covid-19 Pandemic making it easier for students to be left behind. In addition it was developed with them as it was not only inspired by students with disabilities and their struggles but I also </a:t>
-            </a:r>
-            <a:r>
-              <a:rPr lang="en"/>
-              <a:t>received</a:t>
-            </a:r>
-            <a:r>
-              <a:rPr lang="en"/>
-              <a:t> feedback from them and their families.</a:t>
-            </a:r>
-            <a:endParaRPr/>
-          </a:p>
-          <a:p>
-            <a:pPr indent="0" lvl="0" marL="0" rtl="0" algn="l">
-              <a:spcBef>
-                <a:spcPts val="1200"/>
-              </a:spcBef>
-              <a:spcAft>
-                <a:spcPts val="0"/>
-              </a:spcAft>
-              <a:buClr>
-                <a:schemeClr val="dk1"/>
-              </a:buClr>
-              <a:buSzPct val="61111"/>
-              <a:buFont typeface="Arial"/>
-              <a:buNone/>
-            </a:pPr>
-            <a:r>
-              <a:t/>
+              <a:t>students with disabilities by ensuring that they have an equal right to an education. As the Education System is in a period of large changes due to the COVID-19 pandemic, this resource is necessary as the switch to remote learning makes it easier  for students with disabilities to be left behind. Tom was built with these students in mind as I received feedback from both students and their families in the process of building Tom. </a:t>
             </a:r>
             <a:endParaRPr/>
           </a:p>
@@ -9140,7 +9104,7 @@
         </p:spPr>
         <p:txBody>
           <a:bodyPr anchorCtr="0" anchor="t" bIns="91425" lIns="91425" spcFirstLastPara="1" rIns="91425" wrap="square" tIns="91425">
-            <a:normAutofit/>
+            <a:normAutofit lnSpcReduction="20000"/>
           </a:bodyPr>
           <a:lstStyle/>
           <a:p>
@@ -9163,7 +9127,22 @@
             </a:r>
             <a:r>
               <a:rPr lang="en"/>
-              <a:t> Education Plan (IEP) is a map of the special services a student needs to succeed with their disability.</a:t>
+              <a:t> Education Plan (IEP) is a map of the special services a student requires if they are to succeed with their disability.</a:t>
+            </a:r>
+            <a:endParaRPr/>
+          </a:p>
+          <a:p>
+            <a:pPr indent="0" lvl="0" marL="0" rtl="0" algn="l">
+              <a:spcBef>
+                <a:spcPts val="1200"/>
+              </a:spcBef>
+              <a:spcAft>
+                <a:spcPts val="0"/>
+              </a:spcAft>
+              <a:buNone/>
+            </a:pPr>
+            <a:r>
+              <a:t/>
             </a:r>
             <a:endParaRPr/>
           </a:p>
@@ -9194,8 +9173,23 @@
               <a:buNone/>
             </a:pPr>
             <a:r>
+              <a:t/>
+            </a:r>
+            <a:endParaRPr/>
+          </a:p>
+          <a:p>
+            <a:pPr indent="0" lvl="0" marL="0" rtl="0" algn="l">
+              <a:spcBef>
+                <a:spcPts val="1200"/>
+              </a:spcBef>
+              <a:spcAft>
+                <a:spcPts val="0"/>
+              </a:spcAft>
+              <a:buNone/>
+            </a:pPr>
+            <a:r>
               <a:rPr lang="en"/>
-              <a:t>So long as schools were still open during the COVID-19 pandemic (including remote learning) they are required to still serve students with IEPs. However, many schools struggled to properly do this.</a:t>
+              <a:t>As long as schools are still open during the COVID-19 pandemic (including remote learning), they are required to continue to serve students with IEPs; however, many schools struggled to properly do this.</a:t>
             </a:r>
             <a:endParaRPr/>
           </a:p>
@@ -9355,7 +9349,7 @@
             </a:pPr>
             <a:r>
               <a:rPr lang="en"/>
-              <a:t>Tom is an Azure Bot that was created in order to assist both students and guardians of students with creating a new IEP and ensuring existing ones are being followed. </a:t>
+              <a:t>Tom is an Azure Bot that was created in order to assist both students and their guardians with creating a new IEP as well as ensuring that existing IEPs are being followed. </a:t>
             </a:r>
             <a:endParaRPr/>
           </a:p>
@@ -9401,7 +9395,7 @@
             </a:pPr>
             <a:r>
               <a:rPr lang="en"/>
-              <a:t>Fun Fact: Tom is named after former Iowa Senator Tom Harkin who introduced the Individuals with Disabilities Education Act.</a:t>
+              <a:t>**Fun Fact: Tom is named after former Iowa Senator Tom Harkin who introduced the Individuals with Disabilities Education Act.</a:t>
             </a:r>
             <a:endParaRPr/>
           </a:p>
@@ -9546,7 +9540,23 @@
             </a:pPr>
             <a:r>
               <a:rPr lang="en"/>
-              <a:t>Tom was inspired by my mother’s (a special needs educators) increased frustration and concern for her students when schools were not properly following their IEPs at the start of the COVID-19 pandemic leaving students with disabilities left behind. In addition, Tom supports setting up an IEP as my mother also explained the challenges many families go through with setting up an IEP for their child.</a:t>
+              <a:t>Tom was inspired by my mother (a special needs educator) and her increased frustration and concern for her students as schools fail to properly follow their IEPs. </a:t>
+            </a:r>
+            <a:endParaRPr/>
+          </a:p>
+          <a:p>
+            <a:pPr indent="0" lvl="0" marL="0" rtl="0" algn="l">
+              <a:spcBef>
+                <a:spcPts val="1200"/>
+              </a:spcBef>
+              <a:spcAft>
+                <a:spcPts val="0"/>
+              </a:spcAft>
+              <a:buNone/>
+            </a:pPr>
+            <a:r>
+              <a:rPr lang="en"/>
+              <a:t>Tom supports the setting up IEPs as one main challenge that families face is learning how to begin the process. </a:t>
             </a:r>
             <a:endParaRPr/>
           </a:p>
@@ -10040,86 +10050,65 @@
         </p:spPr>
         <p:txBody>
           <a:bodyPr anchorCtr="0" anchor="t" bIns="91425" lIns="91425" spcFirstLastPara="1" rIns="91425" wrap="square" tIns="91425">
-            <a:normAutofit fontScale="92500" lnSpcReduction="20000"/>
+            <a:normAutofit/>
           </a:bodyPr>
           <a:lstStyle/>
           <a:p>
-            <a:pPr indent="-334327" lvl="0" marL="457200" rtl="0" algn="l">
-              <a:spcBef>
-                <a:spcPts val="0"/>
-              </a:spcBef>
-              <a:spcAft>
-                <a:spcPts val="0"/>
-              </a:spcAft>
-              <a:buSzPct val="100000"/>
+            <a:pPr indent="-342900" lvl="0" marL="457200" rtl="0" algn="l">
+              <a:spcBef>
+                <a:spcPts val="0"/>
+              </a:spcBef>
+              <a:spcAft>
+                <a:spcPts val="0"/>
+              </a:spcAft>
+              <a:buSzPts val="1800"/>
               <a:buChar char="●"/>
             </a:pPr>
             <a:r>
               <a:rPr lang="en"/>
-              <a:t>Finding time to work on Tom between being a </a:t>
+              <a:t>F</a:t>
             </a:r>
             <a:r>
               <a:rPr lang="en"/>
-              <a:t>full-time student, part-time </a:t>
-            </a:r>
-            <a:r>
-              <a:rPr lang="en"/>
-              <a:t>intern, and heavily involved in the university as midterms approached.</a:t>
+              <a:t>inding time to develop Tom while being a full-time student, part-time intern as well as being heavily involved in the university system as midterms approached</a:t>
             </a:r>
             <a:endParaRPr/>
           </a:p>
           <a:p>
-            <a:pPr indent="-334327" lvl="0" marL="457200" rtl="0" algn="l">
-              <a:spcBef>
-                <a:spcPts val="0"/>
-              </a:spcBef>
-              <a:spcAft>
-                <a:spcPts val="0"/>
-              </a:spcAft>
-              <a:buSzPct val="100000"/>
+            <a:pPr indent="-342900" lvl="0" marL="457200" rtl="0" algn="l">
+              <a:spcBef>
+                <a:spcPts val="0"/>
+              </a:spcBef>
+              <a:spcAft>
+                <a:spcPts val="0"/>
+              </a:spcAft>
+              <a:buSzPts val="1800"/>
               <a:buChar char="●"/>
             </a:pPr>
             <a:r>
               <a:rPr lang="en"/>
-              <a:t>Deploying Tom to Azure was challenging due to account restraints and numerous missing features in Bot Composer Framework requiring me to pull down contributors branches.</a:t>
+              <a:t>H</a:t>
+            </a:r>
+            <a:r>
+              <a:rPr lang="en"/>
+              <a:t>and-coding the URL creation within the React app, instead of choosing to utilize a package.  </a:t>
             </a:r>
             <a:endParaRPr/>
           </a:p>
           <a:p>
-            <a:pPr indent="-334327" lvl="0" marL="457200" rtl="0" algn="l">
-              <a:spcBef>
-                <a:spcPts val="0"/>
-              </a:spcBef>
-              <a:spcAft>
-                <a:spcPts val="0"/>
-              </a:spcAft>
-              <a:buSzPct val="100000"/>
+            <a:pPr indent="-342900" lvl="0" marL="457200" rtl="0" algn="l">
+              <a:spcBef>
+                <a:spcPts val="0"/>
+              </a:spcBef>
+              <a:spcAft>
+                <a:spcPts val="0"/>
+              </a:spcAft>
+              <a:buSzPts val="1800"/>
               <a:buChar char="●"/>
             </a:pPr>
             <a:r>
               <a:rPr lang="en"/>
-              <a:t>An avoidable challenge was I </a:t>
-            </a:r>
-            <a:r>
-              <a:rPr lang="en"/>
-              <a:t>reinvented the wheel when building the url cleansing for the generating the emails for the user in JS versus using a package.</a:t>
-            </a:r>
-            <a:endParaRPr/>
-          </a:p>
-          <a:p>
-            <a:pPr indent="-334327" lvl="0" marL="457200" rtl="0" algn="l">
-              <a:spcBef>
-                <a:spcPts val="0"/>
-              </a:spcBef>
-              <a:spcAft>
-                <a:spcPts val="0"/>
-              </a:spcAft>
-              <a:buSzPct val="100000"/>
-              <a:buChar char="●"/>
-            </a:pPr>
-            <a:r>
-              <a:rPr lang="en"/>
-              <a:t>Following an iterative approach (in order to incorporate feedback from my mother’s clients) with a limited timeline.</a:t>
+              <a:t>Following an iterative approach (in order to incorporate feedback from my mother’s clients) with a limited timeframe and conflicting schedules.</a:t>
             </a:r>
             <a:endParaRPr/>
           </a:p>
@@ -10264,7 +10253,11 @@
             </a:pPr>
             <a:r>
               <a:rPr lang="en"/>
-              <a:t>Add chat bot features for correcting things such as somebody’s name or email (this was not added solely based on time constraints).</a:t>
+              <a:t>A</a:t>
+            </a:r>
+            <a:r>
+              <a:rPr lang="en"/>
+              <a:t>dd additional chatbot features for correcting things such as somebody’s name or email (this was not added solely based on time constraints).</a:t>
             </a:r>
             <a:endParaRPr/>
           </a:p>
@@ -10280,7 +10273,7 @@
             </a:pPr>
             <a:r>
               <a:rPr lang="en"/>
-              <a:t>Add more questions for the user to generate a better email:</a:t>
+              <a:t>Add more questions for the Tom to generate a better email:</a:t>
             </a:r>
             <a:endParaRPr/>
           </a:p>
@@ -10313,15 +10306,11 @@
             </a:pPr>
             <a:r>
               <a:rPr lang="en"/>
-              <a:t>Add a connection to a list of Education Advocates and Attorneys to </a:t>
+              <a:t>A</a:t>
             </a:r>
             <a:r>
               <a:rPr lang="en"/>
-              <a:t>recommend</a:t>
-            </a:r>
-            <a:r>
-              <a:rPr lang="en"/>
-              <a:t> ones that are close to the user if needed.</a:t>
+              <a:t>dd a connection to a list of Education Advocates and Attorney recommendations that are close to the user if needed.</a:t>
             </a:r>
             <a:endParaRPr/>
           </a:p>
